--- a/Presentation/Presentation_Kathi/Presentation_Kathi.pptx
+++ b/Presentation/Presentation_Kathi/Presentation_Kathi.pptx
@@ -243,6 +243,45 @@
         </pc:spChg>
         <pc:spChg chg="mod">
           <ac:chgData name="" userId="" providerId="" clId="Web-{73BDABFE-95BD-4F38-96ED-FB4635EE5BB2}" dt="2019-07-02T21:32:32.551" v="146" actId="20577"/>
+          <ac:spMkLst>
+            <pc:docMk/>
+            <pc:sldMk cId="4237040405" sldId="270"/>
+            <ac:spMk id="3" creationId="{CD92577B-CA3C-439B-BD42-F4C868229810}"/>
+          </ac:spMkLst>
+        </pc:spChg>
+      </pc:sldChg>
+    </pc:docChg>
+  </pc:docChgLst>
+  <pc:docChgLst>
+    <pc:chgData clId="Web-{65B98004-1021-429E-8C48-A25E2A857D0B}"/>
+    <pc:docChg chg="modSld">
+      <pc:chgData name="" userId="" providerId="" clId="Web-{65B98004-1021-429E-8C48-A25E2A857D0B}" dt="2019-07-03T12:18:41.635" v="70" actId="20577"/>
+      <pc:docMkLst>
+        <pc:docMk/>
+      </pc:docMkLst>
+      <pc:sldChg chg="modSp">
+        <pc:chgData name="" userId="" providerId="" clId="Web-{65B98004-1021-429E-8C48-A25E2A857D0B}" dt="2019-07-03T12:17:11.181" v="41" actId="20577"/>
+        <pc:sldMkLst>
+          <pc:docMk/>
+          <pc:sldMk cId="2199166390" sldId="264"/>
+        </pc:sldMkLst>
+        <pc:spChg chg="mod">
+          <ac:chgData name="" userId="" providerId="" clId="Web-{65B98004-1021-429E-8C48-A25E2A857D0B}" dt="2019-07-03T12:17:11.181" v="41" actId="20577"/>
+          <ac:spMkLst>
+            <pc:docMk/>
+            <pc:sldMk cId="2199166390" sldId="264"/>
+            <ac:spMk id="3" creationId="{A5FB69EC-26B7-41FC-A3CE-7A60930F04C4}"/>
+          </ac:spMkLst>
+        </pc:spChg>
+      </pc:sldChg>
+      <pc:sldChg chg="modSp">
+        <pc:chgData name="" userId="" providerId="" clId="Web-{65B98004-1021-429E-8C48-A25E2A857D0B}" dt="2019-07-03T12:18:41.635" v="69" actId="20577"/>
+        <pc:sldMkLst>
+          <pc:docMk/>
+          <pc:sldMk cId="4237040405" sldId="270"/>
+        </pc:sldMkLst>
+        <pc:spChg chg="mod">
+          <ac:chgData name="" userId="" providerId="" clId="Web-{65B98004-1021-429E-8C48-A25E2A857D0B}" dt="2019-07-03T12:18:41.635" v="69" actId="20577"/>
           <ac:spMkLst>
             <pc:docMk/>
             <pc:sldMk cId="4237040405" sldId="270"/>
@@ -980,7 +1019,7 @@
           <a:p>
             <a:fld id="{D3EB3054-B75A-4BD7-8B3E-8DC0F614FAF3}" type="datetimeFigureOut">
               <a:rPr lang="de-DE" smtClean="0"/>
-              <a:t>02.07.2019</a:t>
+              <a:t>03.07.2019</a:t>
             </a:fld>
             <a:endParaRPr lang="de-DE"/>
           </a:p>
@@ -1148,7 +1187,7 @@
           <a:p>
             <a:fld id="{D3EB3054-B75A-4BD7-8B3E-8DC0F614FAF3}" type="datetimeFigureOut">
               <a:rPr lang="de-DE" smtClean="0"/>
-              <a:t>02.07.2019</a:t>
+              <a:t>03.07.2019</a:t>
             </a:fld>
             <a:endParaRPr lang="de-DE"/>
           </a:p>
@@ -1326,7 +1365,7 @@
           <a:p>
             <a:fld id="{D3EB3054-B75A-4BD7-8B3E-8DC0F614FAF3}" type="datetimeFigureOut">
               <a:rPr lang="de-DE" smtClean="0"/>
-              <a:t>02.07.2019</a:t>
+              <a:t>03.07.2019</a:t>
             </a:fld>
             <a:endParaRPr lang="de-DE"/>
           </a:p>
@@ -1494,7 +1533,7 @@
           <a:p>
             <a:fld id="{D3EB3054-B75A-4BD7-8B3E-8DC0F614FAF3}" type="datetimeFigureOut">
               <a:rPr lang="de-DE" smtClean="0"/>
-              <a:t>02.07.2019</a:t>
+              <a:t>03.07.2019</a:t>
             </a:fld>
             <a:endParaRPr lang="de-DE"/>
           </a:p>
@@ -1739,7 +1778,7 @@
           <a:p>
             <a:fld id="{D3EB3054-B75A-4BD7-8B3E-8DC0F614FAF3}" type="datetimeFigureOut">
               <a:rPr lang="de-DE" smtClean="0"/>
-              <a:t>02.07.2019</a:t>
+              <a:t>03.07.2019</a:t>
             </a:fld>
             <a:endParaRPr lang="de-DE"/>
           </a:p>
@@ -1968,7 +2007,7 @@
           <a:p>
             <a:fld id="{D3EB3054-B75A-4BD7-8B3E-8DC0F614FAF3}" type="datetimeFigureOut">
               <a:rPr lang="de-DE" smtClean="0"/>
-              <a:t>02.07.2019</a:t>
+              <a:t>03.07.2019</a:t>
             </a:fld>
             <a:endParaRPr lang="de-DE"/>
           </a:p>
@@ -2332,7 +2371,7 @@
           <a:p>
             <a:fld id="{D3EB3054-B75A-4BD7-8B3E-8DC0F614FAF3}" type="datetimeFigureOut">
               <a:rPr lang="de-DE" smtClean="0"/>
-              <a:t>02.07.2019</a:t>
+              <a:t>03.07.2019</a:t>
             </a:fld>
             <a:endParaRPr lang="de-DE"/>
           </a:p>
@@ -2449,7 +2488,7 @@
           <a:p>
             <a:fld id="{D3EB3054-B75A-4BD7-8B3E-8DC0F614FAF3}" type="datetimeFigureOut">
               <a:rPr lang="de-DE" smtClean="0"/>
-              <a:t>02.07.2019</a:t>
+              <a:t>03.07.2019</a:t>
             </a:fld>
             <a:endParaRPr lang="de-DE"/>
           </a:p>
@@ -2544,7 +2583,7 @@
           <a:p>
             <a:fld id="{D3EB3054-B75A-4BD7-8B3E-8DC0F614FAF3}" type="datetimeFigureOut">
               <a:rPr lang="de-DE" smtClean="0"/>
-              <a:t>02.07.2019</a:t>
+              <a:t>03.07.2019</a:t>
             </a:fld>
             <a:endParaRPr lang="de-DE"/>
           </a:p>
@@ -2819,7 +2858,7 @@
           <a:p>
             <a:fld id="{D3EB3054-B75A-4BD7-8B3E-8DC0F614FAF3}" type="datetimeFigureOut">
               <a:rPr lang="de-DE" smtClean="0"/>
-              <a:t>02.07.2019</a:t>
+              <a:t>03.07.2019</a:t>
             </a:fld>
             <a:endParaRPr lang="de-DE"/>
           </a:p>
@@ -3071,7 +3110,7 @@
           <a:p>
             <a:fld id="{D3EB3054-B75A-4BD7-8B3E-8DC0F614FAF3}" type="datetimeFigureOut">
               <a:rPr lang="de-DE" smtClean="0"/>
-              <a:t>02.07.2019</a:t>
+              <a:t>03.07.2019</a:t>
             </a:fld>
             <a:endParaRPr lang="de-DE"/>
           </a:p>
@@ -3282,7 +3321,7 @@
           <a:p>
             <a:fld id="{D3EB3054-B75A-4BD7-8B3E-8DC0F614FAF3}" type="datetimeFigureOut">
               <a:rPr lang="de-DE" smtClean="0"/>
-              <a:t>02.07.2019</a:t>
+              <a:t>03.07.2019</a:t>
             </a:fld>
             <a:endParaRPr lang="de-DE"/>
           </a:p>
@@ -3868,25 +3907,12 @@
           </a:bodyPr>
           <a:lstStyle/>
           <a:p>
-            <a:pPr marL="457200" indent="-457200"/>
-            <a:r>
-              <a:rPr lang="de-DE" dirty="0">
-                <a:cs typeface="Calibri" panose="020F0502020204030204"/>
-              </a:rPr>
-              <a:t>13 Features -&gt; Target Variable: </a:t>
-            </a:r>
-            <a:r>
-              <a:rPr lang="de-DE" dirty="0" err="1">
-                <a:cs typeface="Calibri" panose="020F0502020204030204"/>
-              </a:rPr>
-              <a:t>Rented</a:t>
-            </a:r>
-            <a:r>
-              <a:rPr lang="de-DE" dirty="0">
-                <a:cs typeface="Calibri" panose="020F0502020204030204"/>
-              </a:rPr>
-              <a:t> Bikes Future</a:t>
-            </a:r>
+            <a:pPr marL="0" indent="0">
+              <a:buNone/>
+            </a:pPr>
+            <a:endParaRPr lang="de-DE" dirty="0">
+              <a:cs typeface="Calibri" panose="020F0502020204030204"/>
+            </a:endParaRPr>
           </a:p>
           <a:p>
             <a:pPr marL="457200" indent="-457200"/>
@@ -6984,7 +7010,7 @@
                 <a:ea typeface="+mn-lt"/>
                 <a:cs typeface="+mn-lt"/>
               </a:rPr>
-              <a:t>MOST USED STATION: (name...)</a:t>
+              <a:t>MOST USED STATION: (Kings cross)</a:t>
             </a:r>
             <a:endParaRPr lang="en-GB" dirty="0">
               <a:cs typeface="Calibri"/>
@@ -7009,7 +7035,21 @@
               <a:rPr lang="en-GB" dirty="0">
                 <a:cs typeface="Calibri"/>
               </a:rPr>
-              <a:t>13 features + target</a:t>
+              <a:t>13 features + target '</a:t>
+            </a:r>
+            <a:r>
+              <a:rPr lang="de-DE" dirty="0" err="1">
+                <a:ea typeface="+mn-lt"/>
+                <a:cs typeface="+mn-lt"/>
+              </a:rPr>
+              <a:t>Rented</a:t>
+            </a:r>
+            <a:r>
+              <a:rPr lang="de-DE" dirty="0">
+                <a:ea typeface="+mn-lt"/>
+                <a:cs typeface="+mn-lt"/>
+              </a:rPr>
+              <a:t> Bikes Future'</a:t>
             </a:r>
           </a:p>
           <a:p>
@@ -7021,36 +7061,9 @@
             </a:endParaRPr>
           </a:p>
           <a:p>
-            <a:r>
-              <a:rPr lang="en-GB" dirty="0">
-                <a:ea typeface="+mn-lt"/>
-                <a:cs typeface="+mn-lt"/>
-              </a:rPr>
-              <a:t>LEAST USED STATION: (name...)</a:t>
-            </a:r>
-          </a:p>
-          <a:p>
-            <a:pPr lvl="1"/>
-            <a:r>
-              <a:rPr lang="en-GB" dirty="0">
-                <a:ea typeface="+mn-lt"/>
-                <a:cs typeface="+mn-lt"/>
-              </a:rPr>
-              <a:t>Data on 145 day</a:t>
-            </a:r>
-            <a:endParaRPr lang="en-GB" dirty="0">
-              <a:cs typeface="Calibri"/>
-            </a:endParaRPr>
-          </a:p>
-          <a:p>
-            <a:pPr lvl="1"/>
-            <a:r>
-              <a:rPr lang="en-GB" dirty="0">
-                <a:ea typeface="+mn-lt"/>
-                <a:cs typeface="+mn-lt"/>
-              </a:rPr>
-              <a:t>13 features + target</a:t>
-            </a:r>
+            <a:pPr marL="0" indent="0">
+              <a:buNone/>
+            </a:pPr>
             <a:endParaRPr lang="en-GB" dirty="0">
               <a:cs typeface="Calibri"/>
             </a:endParaRPr>
